--- a/Documentation/Hackathon-Sentiment-Stranger7.pptx
+++ b/Documentation/Hackathon-Sentiment-Stranger7.pptx
@@ -318,7 +318,7 @@
             <a:fld id="{B61BEF0D-F0BB-DE4B-95CE-6DB70DBA9567}" type="datetimeFigureOut">
               <a:rPr lang="en-US" dirty="0"/>
               <a:pPr/>
-              <a:t>11/13/2016</a:t>
+              <a:t>11/14/2016</a:t>
             </a:fld>
             <a:endParaRPr lang="en-US" dirty="0"/>
           </a:p>
@@ -653,7 +653,7 @@
             <a:fld id="{B61BEF0D-F0BB-DE4B-95CE-6DB70DBA9567}" type="datetimeFigureOut">
               <a:rPr lang="en-US" dirty="0"/>
               <a:pPr/>
-              <a:t>11/13/2016</a:t>
+              <a:t>11/14/2016</a:t>
             </a:fld>
             <a:endParaRPr lang="en-US" dirty="0"/>
           </a:p>
@@ -1051,7 +1051,7 @@
             <a:fld id="{B61BEF0D-F0BB-DE4B-95CE-6DB70DBA9567}" type="datetimeFigureOut">
               <a:rPr lang="en-US" dirty="0"/>
               <a:pPr/>
-              <a:t>11/13/2016</a:t>
+              <a:t>11/14/2016</a:t>
             </a:fld>
             <a:endParaRPr lang="en-US" dirty="0"/>
           </a:p>
@@ -1384,7 +1384,7 @@
             <a:fld id="{B61BEF0D-F0BB-DE4B-95CE-6DB70DBA9567}" type="datetimeFigureOut">
               <a:rPr lang="en-US" dirty="0"/>
               <a:pPr/>
-              <a:t>11/13/2016</a:t>
+              <a:t>11/14/2016</a:t>
             </a:fld>
             <a:endParaRPr lang="en-US" dirty="0"/>
           </a:p>
@@ -1701,7 +1701,7 @@
             <a:fld id="{B61BEF0D-F0BB-DE4B-95CE-6DB70DBA9567}" type="datetimeFigureOut">
               <a:rPr lang="en-US" dirty="0"/>
               <a:pPr/>
-              <a:t>11/13/2016</a:t>
+              <a:t>11/14/2016</a:t>
             </a:fld>
             <a:endParaRPr lang="en-US" dirty="0"/>
           </a:p>
@@ -2094,7 +2094,7 @@
             <a:fld id="{B61BEF0D-F0BB-DE4B-95CE-6DB70DBA9567}" type="datetimeFigureOut">
               <a:rPr lang="en-US" dirty="0"/>
               <a:pPr/>
-              <a:t>11/13/2016</a:t>
+              <a:t>11/14/2016</a:t>
             </a:fld>
             <a:endParaRPr lang="en-US" dirty="0"/>
           </a:p>
@@ -2348,7 +2348,7 @@
             <a:fld id="{B61BEF0D-F0BB-DE4B-95CE-6DB70DBA9567}" type="datetimeFigureOut">
               <a:rPr lang="en-US" dirty="0"/>
               <a:pPr/>
-              <a:t>11/13/2016</a:t>
+              <a:t>11/14/2016</a:t>
             </a:fld>
             <a:endParaRPr lang="en-US" dirty="0"/>
           </a:p>
@@ -2607,7 +2607,7 @@
             <a:fld id="{B61BEF0D-F0BB-DE4B-95CE-6DB70DBA9567}" type="datetimeFigureOut">
               <a:rPr lang="en-US" dirty="0"/>
               <a:pPr/>
-              <a:t>11/13/2016</a:t>
+              <a:t>11/14/2016</a:t>
             </a:fld>
             <a:endParaRPr lang="en-US" dirty="0"/>
           </a:p>
@@ -2866,7 +2866,7 @@
             <a:fld id="{B61BEF0D-F0BB-DE4B-95CE-6DB70DBA9567}" type="datetimeFigureOut">
               <a:rPr lang="en-US" dirty="0"/>
               <a:pPr/>
-              <a:t>11/13/2016</a:t>
+              <a:t>11/14/2016</a:t>
             </a:fld>
             <a:endParaRPr lang="en-US" dirty="0"/>
           </a:p>
@@ -3192,7 +3192,7 @@
             <a:fld id="{B61BEF0D-F0BB-DE4B-95CE-6DB70DBA9567}" type="datetimeFigureOut">
               <a:rPr lang="en-US" dirty="0"/>
               <a:pPr/>
-              <a:t>11/13/2016</a:t>
+              <a:t>11/14/2016</a:t>
             </a:fld>
             <a:endParaRPr lang="en-US" dirty="0"/>
           </a:p>
@@ -3512,7 +3512,7 @@
             <a:fld id="{B61BEF0D-F0BB-DE4B-95CE-6DB70DBA9567}" type="datetimeFigureOut">
               <a:rPr lang="en-US" dirty="0"/>
               <a:pPr/>
-              <a:t>11/13/2016</a:t>
+              <a:t>11/14/2016</a:t>
             </a:fld>
             <a:endParaRPr lang="en-US" dirty="0"/>
           </a:p>
@@ -3966,7 +3966,7 @@
             <a:fld id="{B61BEF0D-F0BB-DE4B-95CE-6DB70DBA9567}" type="datetimeFigureOut">
               <a:rPr lang="en-US" dirty="0"/>
               <a:pPr/>
-              <a:t>11/13/2016</a:t>
+              <a:t>11/14/2016</a:t>
             </a:fld>
             <a:endParaRPr lang="en-US" dirty="0"/>
           </a:p>
@@ -4168,7 +4168,7 @@
             <a:fld id="{B61BEF0D-F0BB-DE4B-95CE-6DB70DBA9567}" type="datetimeFigureOut">
               <a:rPr lang="en-US" dirty="0"/>
               <a:pPr/>
-              <a:t>11/13/2016</a:t>
+              <a:t>11/14/2016</a:t>
             </a:fld>
             <a:endParaRPr lang="en-US" dirty="0"/>
           </a:p>
@@ -4342,7 +4342,7 @@
             <a:fld id="{B61BEF0D-F0BB-DE4B-95CE-6DB70DBA9567}" type="datetimeFigureOut">
               <a:rPr lang="en-US" dirty="0"/>
               <a:pPr/>
-              <a:t>11/13/2016</a:t>
+              <a:t>11/14/2016</a:t>
             </a:fld>
             <a:endParaRPr lang="en-US" dirty="0"/>
           </a:p>
@@ -4672,7 +4672,7 @@
             <a:fld id="{B61BEF0D-F0BB-DE4B-95CE-6DB70DBA9567}" type="datetimeFigureOut">
               <a:rPr lang="en-US" dirty="0"/>
               <a:pPr/>
-              <a:t>11/13/2016</a:t>
+              <a:t>11/14/2016</a:t>
             </a:fld>
             <a:endParaRPr lang="en-US" dirty="0"/>
           </a:p>
@@ -5014,7 +5014,7 @@
             <a:fld id="{B61BEF0D-F0BB-DE4B-95CE-6DB70DBA9567}" type="datetimeFigureOut">
               <a:rPr lang="en-US" dirty="0"/>
               <a:pPr/>
-              <a:t>11/13/2016</a:t>
+              <a:t>11/14/2016</a:t>
             </a:fld>
             <a:endParaRPr lang="en-US" dirty="0"/>
           </a:p>
@@ -7128,7 +7128,7 @@
             <a:fld id="{B61BEF0D-F0BB-DE4B-95CE-6DB70DBA9567}" type="datetimeFigureOut">
               <a:rPr lang="en-US" dirty="0"/>
               <a:pPr/>
-              <a:t>11/13/2016</a:t>
+              <a:t>11/14/2016</a:t>
             </a:fld>
             <a:endParaRPr lang="en-US" dirty="0"/>
           </a:p>
@@ -8581,7 +8581,7 @@
         </p:blipFill>
         <p:spPr bwMode="auto">
           <a:xfrm>
-            <a:off x="1938338" y="944217"/>
+            <a:off x="1938338" y="1019521"/>
             <a:ext cx="9292879" cy="5046005"/>
           </a:xfrm>
           <a:prstGeom prst="rect">
@@ -8597,6 +8597,45 @@
           <a:effectLst/>
         </p:spPr>
       </p:pic>
+      <p:sp>
+        <p:nvSpPr>
+          <p:cNvPr id="2" name="Rectangle 1"/>
+          <p:cNvSpPr/>
+          <p:nvPr/>
+        </p:nvSpPr>
+        <p:spPr>
+          <a:xfrm>
+            <a:off x="3004272" y="210677"/>
+            <a:ext cx="7590539" cy="369332"/>
+          </a:xfrm>
+          <a:prstGeom prst="rect">
+            <a:avLst/>
+          </a:prstGeom>
+        </p:spPr>
+        <p:txBody>
+          <a:bodyPr wrap="none">
+            <a:spAutoFit/>
+          </a:bodyPr>
+          <a:lstStyle/>
+          <a:p>
+            <a:r>
+              <a:rPr lang="en-US" b="1" dirty="0" err="1"/>
+              <a:t>Youtube</a:t>
+            </a:r>
+            <a:r>
+              <a:rPr lang="en-US" b="1" dirty="0"/>
+              <a:t> Link:  </a:t>
+            </a:r>
+            <a:r>
+              <a:rPr lang="en-US" dirty="0">
+                <a:hlinkClick r:id="rId3"/>
+              </a:rPr>
+              <a:t>https://www.youtube.com/watch?v=qwG1SFimuyo</a:t>
+            </a:r>
+            <a:endParaRPr lang="en-US" dirty="0"/>
+          </a:p>
+        </p:txBody>
+      </p:sp>
     </p:spTree>
   </p:cSld>
   <p:clrMapOvr>
